--- a/Presentation slides.pptx
+++ b/Presentation slides.pptx
@@ -5,14 +5,13 @@
     <p:sldMasterId id="2147483648" r:id="rId1"/>
   </p:sldMasterIdLst>
   <p:notesMasterIdLst>
-    <p:notesMasterId r:id="rId7"/>
+    <p:notesMasterId r:id="rId6"/>
   </p:notesMasterIdLst>
   <p:sldIdLst>
     <p:sldId id="263" r:id="rId2"/>
     <p:sldId id="264" r:id="rId3"/>
     <p:sldId id="265" r:id="rId4"/>
-    <p:sldId id="266" r:id="rId5"/>
-    <p:sldId id="262" r:id="rId6"/>
+    <p:sldId id="262" r:id="rId5"/>
   </p:sldIdLst>
   <p:sldSz cx="12192000" cy="6858000"/>
   <p:notesSz cx="6858000" cy="9144000"/>
@@ -111,6 +110,11 @@
       </a:defRPr>
     </a:lvl9pPr>
   </p:defaultTextStyle>
+  <p:extLst>
+    <p:ext uri="{EFAFB233-063F-42B5-8137-9DF3F51BA10A}">
+      <p15:sldGuideLst xmlns:p15="http://schemas.microsoft.com/office/powerpoint/2012/main"/>
+    </p:ext>
+  </p:extLst>
 </p:presentation>
 </file>
 
@@ -208,7 +212,7 @@
           <a:p>
             <a:fld id="{08D08AC0-EEFA-421A-BA80-BD3CE94CCB98}" type="datetimeFigureOut">
               <a:rPr lang="en-GB" smtClean="0"/>
-              <a:t>21/10/2019</a:t>
+              <a:t>25/10/2019</a:t>
             </a:fld>
             <a:endParaRPr lang="en-GB"/>
           </a:p>
@@ -520,6 +524,90 @@
           <a:bodyPr/>
           <a:lstStyle/>
           <a:p>
+            <a:endParaRPr lang="en-GB" dirty="0"/>
+          </a:p>
+        </p:txBody>
+      </p:sp>
+      <p:sp>
+        <p:nvSpPr>
+          <p:cNvPr id="4" name="Slide Number Placeholder 3"/>
+          <p:cNvSpPr>
+            <a:spLocks noGrp="1"/>
+          </p:cNvSpPr>
+          <p:nvPr>
+            <p:ph type="sldNum" sz="quarter" idx="5"/>
+          </p:nvPr>
+        </p:nvSpPr>
+        <p:spPr/>
+        <p:txBody>
+          <a:bodyPr/>
+          <a:lstStyle/>
+          <a:p>
+            <a:fld id="{10C73DF9-F5A1-4C85-ADE0-D976A048CC6C}" type="slidenum">
+              <a:rPr lang="en-GB" smtClean="0"/>
+              <a:t>1</a:t>
+            </a:fld>
+            <a:endParaRPr lang="en-GB"/>
+          </a:p>
+        </p:txBody>
+      </p:sp>
+    </p:spTree>
+    <p:extLst>
+      <p:ext uri="{BB962C8B-B14F-4D97-AF65-F5344CB8AC3E}">
+        <p14:creationId xmlns:p14="http://schemas.microsoft.com/office/powerpoint/2010/main" val="1661448153"/>
+      </p:ext>
+    </p:extLst>
+  </p:cSld>
+  <p:clrMapOvr>
+    <a:masterClrMapping/>
+  </p:clrMapOvr>
+</p:notes>
+</file>
+
+<file path=ppt/notesSlides/notesSlide2.xml><?xml version="1.0" encoding="utf-8"?>
+<p:notes xmlns:a="http://schemas.openxmlformats.org/drawingml/2006/main" xmlns:r="http://schemas.openxmlformats.org/officeDocument/2006/relationships" xmlns:p="http://schemas.openxmlformats.org/presentationml/2006/main">
+  <p:cSld>
+    <p:spTree>
+      <p:nvGrpSpPr>
+        <p:cNvPr id="1" name=""/>
+        <p:cNvGrpSpPr/>
+        <p:nvPr/>
+      </p:nvGrpSpPr>
+      <p:grpSpPr>
+        <a:xfrm>
+          <a:off x="0" y="0"/>
+          <a:ext cx="0" cy="0"/>
+          <a:chOff x="0" y="0"/>
+          <a:chExt cx="0" cy="0"/>
+        </a:xfrm>
+      </p:grpSpPr>
+      <p:sp>
+        <p:nvSpPr>
+          <p:cNvPr id="2" name="Slide Image Placeholder 1"/>
+          <p:cNvSpPr>
+            <a:spLocks noGrp="1" noRot="1" noChangeAspect="1"/>
+          </p:cNvSpPr>
+          <p:nvPr>
+            <p:ph type="sldImg"/>
+          </p:nvPr>
+        </p:nvSpPr>
+        <p:spPr/>
+      </p:sp>
+      <p:sp>
+        <p:nvSpPr>
+          <p:cNvPr id="3" name="Notes Placeholder 2"/>
+          <p:cNvSpPr>
+            <a:spLocks noGrp="1"/>
+          </p:cNvSpPr>
+          <p:nvPr>
+            <p:ph type="body" idx="1"/>
+          </p:nvPr>
+        </p:nvSpPr>
+        <p:spPr/>
+        <p:txBody>
+          <a:bodyPr/>
+          <a:lstStyle/>
+          <a:p>
             <a:r>
               <a:rPr lang="en-GB" dirty="0"/>
               <a:t>Define</a:t>
@@ -551,7 +639,7 @@
           <a:p>
             <a:fld id="{10C73DF9-F5A1-4C85-ADE0-D976A048CC6C}" type="slidenum">
               <a:rPr lang="en-GB" smtClean="0"/>
-              <a:t>5</a:t>
+              <a:t>4</a:t>
             </a:fld>
             <a:endParaRPr lang="en-GB"/>
           </a:p>
@@ -719,7 +807,7 @@
           <a:p>
             <a:fld id="{A3FE1134-78CC-44A7-9F75-AC06289EC4EE}" type="datetimeFigureOut">
               <a:rPr lang="en-GB" smtClean="0"/>
-              <a:t>21/10/2019</a:t>
+              <a:t>25/10/2019</a:t>
             </a:fld>
             <a:endParaRPr lang="en-GB"/>
           </a:p>
@@ -919,7 +1007,7 @@
           <a:p>
             <a:fld id="{A3FE1134-78CC-44A7-9F75-AC06289EC4EE}" type="datetimeFigureOut">
               <a:rPr lang="en-GB" smtClean="0"/>
-              <a:t>21/10/2019</a:t>
+              <a:t>25/10/2019</a:t>
             </a:fld>
             <a:endParaRPr lang="en-GB"/>
           </a:p>
@@ -1129,7 +1217,7 @@
           <a:p>
             <a:fld id="{A3FE1134-78CC-44A7-9F75-AC06289EC4EE}" type="datetimeFigureOut">
               <a:rPr lang="en-GB" smtClean="0"/>
-              <a:t>21/10/2019</a:t>
+              <a:t>25/10/2019</a:t>
             </a:fld>
             <a:endParaRPr lang="en-GB"/>
           </a:p>
@@ -1329,7 +1417,7 @@
           <a:p>
             <a:fld id="{A3FE1134-78CC-44A7-9F75-AC06289EC4EE}" type="datetimeFigureOut">
               <a:rPr lang="en-GB" smtClean="0"/>
-              <a:t>21/10/2019</a:t>
+              <a:t>25/10/2019</a:t>
             </a:fld>
             <a:endParaRPr lang="en-GB"/>
           </a:p>
@@ -1605,7 +1693,7 @@
           <a:p>
             <a:fld id="{A3FE1134-78CC-44A7-9F75-AC06289EC4EE}" type="datetimeFigureOut">
               <a:rPr lang="en-GB" smtClean="0"/>
-              <a:t>21/10/2019</a:t>
+              <a:t>25/10/2019</a:t>
             </a:fld>
             <a:endParaRPr lang="en-GB"/>
           </a:p>
@@ -1873,7 +1961,7 @@
           <a:p>
             <a:fld id="{A3FE1134-78CC-44A7-9F75-AC06289EC4EE}" type="datetimeFigureOut">
               <a:rPr lang="en-GB" smtClean="0"/>
-              <a:t>21/10/2019</a:t>
+              <a:t>25/10/2019</a:t>
             </a:fld>
             <a:endParaRPr lang="en-GB"/>
           </a:p>
@@ -2288,7 +2376,7 @@
           <a:p>
             <a:fld id="{A3FE1134-78CC-44A7-9F75-AC06289EC4EE}" type="datetimeFigureOut">
               <a:rPr lang="en-GB" smtClean="0"/>
-              <a:t>21/10/2019</a:t>
+              <a:t>25/10/2019</a:t>
             </a:fld>
             <a:endParaRPr lang="en-GB"/>
           </a:p>
@@ -2430,7 +2518,7 @@
           <a:p>
             <a:fld id="{A3FE1134-78CC-44A7-9F75-AC06289EC4EE}" type="datetimeFigureOut">
               <a:rPr lang="en-GB" smtClean="0"/>
-              <a:t>21/10/2019</a:t>
+              <a:t>25/10/2019</a:t>
             </a:fld>
             <a:endParaRPr lang="en-GB"/>
           </a:p>
@@ -2543,7 +2631,7 @@
           <a:p>
             <a:fld id="{A3FE1134-78CC-44A7-9F75-AC06289EC4EE}" type="datetimeFigureOut">
               <a:rPr lang="en-GB" smtClean="0"/>
-              <a:t>21/10/2019</a:t>
+              <a:t>25/10/2019</a:t>
             </a:fld>
             <a:endParaRPr lang="en-GB"/>
           </a:p>
@@ -2856,7 +2944,7 @@
           <a:p>
             <a:fld id="{A3FE1134-78CC-44A7-9F75-AC06289EC4EE}" type="datetimeFigureOut">
               <a:rPr lang="en-GB" smtClean="0"/>
-              <a:t>21/10/2019</a:t>
+              <a:t>25/10/2019</a:t>
             </a:fld>
             <a:endParaRPr lang="en-GB"/>
           </a:p>
@@ -3145,7 +3233,7 @@
           <a:p>
             <a:fld id="{A3FE1134-78CC-44A7-9F75-AC06289EC4EE}" type="datetimeFigureOut">
               <a:rPr lang="en-GB" smtClean="0"/>
-              <a:t>21/10/2019</a:t>
+              <a:t>25/10/2019</a:t>
             </a:fld>
             <a:endParaRPr lang="en-GB"/>
           </a:p>
@@ -3388,7 +3476,7 @@
           <a:p>
             <a:fld id="{A3FE1134-78CC-44A7-9F75-AC06289EC4EE}" type="datetimeFigureOut">
               <a:rPr lang="en-GB" smtClean="0"/>
-              <a:t>21/10/2019</a:t>
+              <a:t>25/10/2019</a:t>
             </a:fld>
             <a:endParaRPr lang="en-GB"/>
           </a:p>
@@ -3880,7 +3968,7 @@
         <p:spPr/>
         <p:txBody>
           <a:bodyPr>
-            <a:normAutofit fontScale="85000" lnSpcReduction="20000"/>
+            <a:normAutofit fontScale="92500" lnSpcReduction="20000"/>
           </a:bodyPr>
           <a:lstStyle/>
           <a:p>
@@ -3956,7 +4044,7 @@
         <p:spPr/>
         <p:txBody>
           <a:bodyPr>
-            <a:normAutofit fontScale="85000" lnSpcReduction="20000"/>
+            <a:normAutofit fontScale="92500" lnSpcReduction="20000"/>
           </a:bodyPr>
           <a:lstStyle/>
           <a:p>
@@ -3969,12 +4057,6 @@
             <a:r>
               <a:rPr lang="en-GB" dirty="0"/>
               <a:t>Enhanced layout options</a:t>
-            </a:r>
-          </a:p>
-          <a:p>
-            <a:r>
-              <a:rPr lang="en-GB" dirty="0"/>
-              <a:t>Live chat facility</a:t>
             </a:r>
           </a:p>
           <a:p>
@@ -4120,7 +4202,7 @@
         <p:spPr/>
         <p:txBody>
           <a:bodyPr>
-            <a:normAutofit fontScale="85000" lnSpcReduction="20000"/>
+            <a:normAutofit fontScale="92500" lnSpcReduction="20000"/>
           </a:bodyPr>
           <a:lstStyle/>
           <a:p>
@@ -4196,7 +4278,7 @@
         <p:spPr/>
         <p:txBody>
           <a:bodyPr>
-            <a:normAutofit fontScale="85000" lnSpcReduction="20000"/>
+            <a:normAutofit fontScale="92500" lnSpcReduction="20000"/>
           </a:bodyPr>
           <a:lstStyle/>
           <a:p>
@@ -4209,12 +4291,6 @@
             <a:r>
               <a:rPr lang="en-GB" dirty="0"/>
               <a:t>Task Management</a:t>
-            </a:r>
-          </a:p>
-          <a:p>
-            <a:r>
-              <a:rPr lang="en-GB" dirty="0"/>
-              <a:t>Dashboards</a:t>
             </a:r>
           </a:p>
           <a:p>
@@ -4308,7 +4384,7 @@
           <a:p>
             <a:r>
               <a:rPr lang="en-GB" dirty="0"/>
-              <a:t>Ongoing costs</a:t>
+              <a:t>Ongoing costs &amp; support</a:t>
             </a:r>
           </a:p>
         </p:txBody>
@@ -4339,6 +4415,36 @@
               <a:t>Costs for Website</a:t>
             </a:r>
           </a:p>
+          <a:p>
+            <a:r>
+              <a:rPr lang="en-GB" dirty="0"/>
+              <a:t>SEO</a:t>
+            </a:r>
+          </a:p>
+          <a:p>
+            <a:r>
+              <a:rPr lang="en-GB" dirty="0"/>
+              <a:t>SSL Cert</a:t>
+            </a:r>
+          </a:p>
+          <a:p>
+            <a:r>
+              <a:rPr lang="en-GB" dirty="0"/>
+              <a:t>Hosting</a:t>
+            </a:r>
+          </a:p>
+          <a:p>
+            <a:r>
+              <a:rPr lang="en-GB" dirty="0"/>
+              <a:t>Domain</a:t>
+            </a:r>
+          </a:p>
+          <a:p>
+            <a:r>
+              <a:rPr lang="en-GB" dirty="0"/>
+              <a:t>Customer technical support</a:t>
+            </a:r>
+          </a:p>
         </p:txBody>
       </p:sp>
       <p:sp>
@@ -4365,6 +4471,30 @@
             <a:r>
               <a:rPr lang="en-GB" dirty="0"/>
               <a:t>Costs for CRM</a:t>
+            </a:r>
+          </a:p>
+          <a:p>
+            <a:r>
+              <a:rPr lang="en-GB" dirty="0"/>
+              <a:t>Hosting</a:t>
+            </a:r>
+          </a:p>
+          <a:p>
+            <a:r>
+              <a:rPr lang="en-GB" dirty="0"/>
+              <a:t>Maintenance</a:t>
+            </a:r>
+          </a:p>
+          <a:p>
+            <a:r>
+              <a:rPr lang="en-GB" dirty="0"/>
+              <a:t>Tech support</a:t>
+            </a:r>
+          </a:p>
+          <a:p>
+            <a:r>
+              <a:rPr lang="en-GB" dirty="0"/>
+              <a:t>Security Alerts</a:t>
             </a:r>
           </a:p>
         </p:txBody>
@@ -4404,7 +4534,7 @@
           <p:cNvPr id="2" name="Title 1">
             <a:extLst>
               <a:ext uri="{FF2B5EF4-FFF2-40B4-BE49-F238E27FC236}">
-                <a16:creationId xmlns:a16="http://schemas.microsoft.com/office/drawing/2014/main" id="{5442D3C9-6E23-4C8B-BC06-9FF24998C735}"/>
+                <a16:creationId xmlns:a16="http://schemas.microsoft.com/office/drawing/2014/main" id="{6D887614-E5B0-42F5-97D6-F0191FB12597}"/>
               </a:ext>
             </a:extLst>
           </p:cNvPr>
@@ -4422,25 +4552,25 @@
           <a:p>
             <a:r>
               <a:rPr lang="en-GB" dirty="0"/>
-              <a:t>Ongoing Support</a:t>
-            </a:r>
-          </a:p>
-        </p:txBody>
-      </p:sp>
-      <p:sp>
-        <p:nvSpPr>
-          <p:cNvPr id="3" name="Content Placeholder 2">
-            <a:extLst>
-              <a:ext uri="{FF2B5EF4-FFF2-40B4-BE49-F238E27FC236}">
-                <a16:creationId xmlns:a16="http://schemas.microsoft.com/office/drawing/2014/main" id="{6EB948C6-009D-4B45-9AC4-302AC18C9755}"/>
-              </a:ext>
-            </a:extLst>
-          </p:cNvPr>
-          <p:cNvSpPr>
-            <a:spLocks noGrp="1"/>
-          </p:cNvSpPr>
-          <p:nvPr>
-            <p:ph sz="half" idx="1"/>
+              <a:t>Accessibility</a:t>
+            </a:r>
+          </a:p>
+        </p:txBody>
+      </p:sp>
+      <p:sp>
+        <p:nvSpPr>
+          <p:cNvPr id="3" name="Text Placeholder 2">
+            <a:extLst>
+              <a:ext uri="{FF2B5EF4-FFF2-40B4-BE49-F238E27FC236}">
+                <a16:creationId xmlns:a16="http://schemas.microsoft.com/office/drawing/2014/main" id="{529AC289-323D-4C61-9668-3A210728550B}"/>
+              </a:ext>
+            </a:extLst>
+          </p:cNvPr>
+          <p:cNvSpPr>
+            <a:spLocks noGrp="1"/>
+          </p:cNvSpPr>
+          <p:nvPr>
+            <p:ph type="body" idx="1"/>
           </p:nvPr>
         </p:nvSpPr>
         <p:spPr/>
@@ -4450,119 +4580,8 @@
           <a:p>
             <a:r>
               <a:rPr lang="en-GB" dirty="0"/>
-              <a:t>Support services offered for Website</a:t>
-            </a:r>
-          </a:p>
-        </p:txBody>
-      </p:sp>
-      <p:sp>
-        <p:nvSpPr>
-          <p:cNvPr id="4" name="Content Placeholder 3">
-            <a:extLst>
-              <a:ext uri="{FF2B5EF4-FFF2-40B4-BE49-F238E27FC236}">
-                <a16:creationId xmlns:a16="http://schemas.microsoft.com/office/drawing/2014/main" id="{A5A1F2CA-70F4-482D-AA52-E027F77095CF}"/>
-              </a:ext>
-            </a:extLst>
-          </p:cNvPr>
-          <p:cNvSpPr>
-            <a:spLocks noGrp="1"/>
-          </p:cNvSpPr>
-          <p:nvPr>
-            <p:ph sz="half" idx="2"/>
-          </p:nvPr>
-        </p:nvSpPr>
-        <p:spPr/>
-        <p:txBody>
-          <a:bodyPr/>
-          <a:lstStyle/>
-          <a:p>
-            <a:r>
-              <a:rPr lang="en-GB" dirty="0"/>
-              <a:t>Support services offered for CRM</a:t>
-            </a:r>
-          </a:p>
-        </p:txBody>
-      </p:sp>
-    </p:spTree>
-    <p:extLst>
-      <p:ext uri="{BB962C8B-B14F-4D97-AF65-F5344CB8AC3E}">
-        <p14:creationId xmlns:p14="http://schemas.microsoft.com/office/powerpoint/2010/main" val="4150527384"/>
-      </p:ext>
-    </p:extLst>
-  </p:cSld>
-  <p:clrMapOvr>
-    <a:masterClrMapping/>
-  </p:clrMapOvr>
-</p:sld>
-</file>
-
-<file path=ppt/slides/slide5.xml><?xml version="1.0" encoding="utf-8"?>
-<p:sld xmlns:a="http://schemas.openxmlformats.org/drawingml/2006/main" xmlns:r="http://schemas.openxmlformats.org/officeDocument/2006/relationships" xmlns:p="http://schemas.openxmlformats.org/presentationml/2006/main">
-  <p:cSld>
-    <p:spTree>
-      <p:nvGrpSpPr>
-        <p:cNvPr id="1" name=""/>
-        <p:cNvGrpSpPr/>
-        <p:nvPr/>
-      </p:nvGrpSpPr>
-      <p:grpSpPr>
-        <a:xfrm>
-          <a:off x="0" y="0"/>
-          <a:ext cx="0" cy="0"/>
-          <a:chOff x="0" y="0"/>
-          <a:chExt cx="0" cy="0"/>
-        </a:xfrm>
-      </p:grpSpPr>
-      <p:sp>
-        <p:nvSpPr>
-          <p:cNvPr id="2" name="Title 1">
-            <a:extLst>
-              <a:ext uri="{FF2B5EF4-FFF2-40B4-BE49-F238E27FC236}">
-                <a16:creationId xmlns:a16="http://schemas.microsoft.com/office/drawing/2014/main" id="{6D887614-E5B0-42F5-97D6-F0191FB12597}"/>
-              </a:ext>
-            </a:extLst>
-          </p:cNvPr>
-          <p:cNvSpPr>
-            <a:spLocks noGrp="1"/>
-          </p:cNvSpPr>
-          <p:nvPr>
-            <p:ph type="title"/>
-          </p:nvPr>
-        </p:nvSpPr>
-        <p:spPr/>
-        <p:txBody>
-          <a:bodyPr/>
-          <a:lstStyle/>
-          <a:p>
-            <a:r>
-              <a:rPr lang="en-GB" dirty="0"/>
-              <a:t>accessibility</a:t>
-            </a:r>
-          </a:p>
-        </p:txBody>
-      </p:sp>
-      <p:sp>
-        <p:nvSpPr>
-          <p:cNvPr id="3" name="Text Placeholder 2">
-            <a:extLst>
-              <a:ext uri="{FF2B5EF4-FFF2-40B4-BE49-F238E27FC236}">
-                <a16:creationId xmlns:a16="http://schemas.microsoft.com/office/drawing/2014/main" id="{529AC289-323D-4C61-9668-3A210728550B}"/>
-              </a:ext>
-            </a:extLst>
-          </p:cNvPr>
-          <p:cNvSpPr>
-            <a:spLocks noGrp="1"/>
-          </p:cNvSpPr>
-          <p:nvPr>
-            <p:ph type="body" idx="1"/>
-          </p:nvPr>
-        </p:nvSpPr>
-        <p:spPr/>
-        <p:txBody>
-          <a:bodyPr/>
-          <a:lstStyle/>
-          <a:p>
-            <a:endParaRPr lang="en-GB"/>
+              <a:t>Barriers to access</a:t>
+            </a:r>
           </a:p>
         </p:txBody>
       </p:sp>
@@ -4605,6 +4624,12 @@
             </a:r>
           </a:p>
           <a:p>
+            <a:r>
+              <a:rPr lang="en-GB" dirty="0"/>
+              <a:t>Auditory impairment</a:t>
+            </a:r>
+          </a:p>
+          <a:p>
             <a:endParaRPr lang="en-GB" dirty="0"/>
           </a:p>
           <a:p>
@@ -4633,7 +4658,10 @@
           <a:bodyPr/>
           <a:lstStyle/>
           <a:p>
-            <a:endParaRPr lang="en-GB"/>
+            <a:r>
+              <a:rPr lang="en-GB" dirty="0"/>
+              <a:t>Solutions</a:t>
+            </a:r>
           </a:p>
         </p:txBody>
       </p:sp>
@@ -4673,6 +4701,12 @@
             <a:r>
               <a:rPr lang="en-GB" dirty="0"/>
               <a:t>Keyboard friendly</a:t>
+            </a:r>
+          </a:p>
+          <a:p>
+            <a:r>
+              <a:rPr lang="en-GB" dirty="0"/>
+              <a:t>Captions</a:t>
             </a:r>
           </a:p>
         </p:txBody>
